--- a/logo.pptx
+++ b/logo.pptx
@@ -2,12 +2,12 @@
 <file path=ppt/presentation.xml><?xml version="1.0" encoding="utf-8"?>
 <p:presentation xmlns:a="http://schemas.openxmlformats.org/drawingml/2006/main" xmlns:r="http://schemas.openxmlformats.org/officeDocument/2006/relationships" xmlns:p="http://schemas.openxmlformats.org/presentationml/2006/main" saveSubsetFonts="1" autoCompressPictures="0">
   <p:sldMasterIdLst>
-    <p:sldMasterId id="2147483720" r:id="rId1"/>
+    <p:sldMasterId id="2147483816" r:id="rId1"/>
   </p:sldMasterIdLst>
   <p:sldIdLst>
     <p:sldId id="256" r:id="rId2"/>
   </p:sldIdLst>
-  <p:sldSz cx="51206400" cy="9144000"/>
+  <p:sldSz cx="51206400" cy="8229600"/>
   <p:notesSz cx="6858000" cy="9144000"/>
   <p:defaultTextStyle>
     <a:defPPr>
@@ -104,6 +104,11 @@
       </a:defRPr>
     </a:lvl9pPr>
   </p:defaultTextStyle>
+  <p:extLst>
+    <p:ext uri="{EFAFB233-063F-42B5-8137-9DF3F51BA10A}">
+      <p15:sldGuideLst xmlns:p15="http://schemas.microsoft.com/office/powerpoint/2012/main"/>
+    </p:ext>
+  </p:extLst>
 </p:presentation>
 </file>
 
@@ -136,15 +141,15 @@
         </p:nvSpPr>
         <p:spPr>
           <a:xfrm>
-            <a:off x="6400800" y="1496484"/>
-            <a:ext cx="38404800" cy="3183467"/>
+            <a:off x="6400800" y="1346836"/>
+            <a:ext cx="38404800" cy="2865120"/>
           </a:xfrm>
         </p:spPr>
         <p:txBody>
           <a:bodyPr anchor="b"/>
           <a:lstStyle>
             <a:lvl1pPr algn="ctr">
-              <a:defRPr sz="8000"/>
+              <a:defRPr sz="7200"/>
             </a:lvl1pPr>
           </a:lstStyle>
           <a:p>
@@ -168,8 +173,8 @@
         </p:nvSpPr>
         <p:spPr>
           <a:xfrm>
-            <a:off x="6400800" y="4802717"/>
-            <a:ext cx="38404800" cy="2207683"/>
+            <a:off x="6400800" y="4322446"/>
+            <a:ext cx="38404800" cy="1986914"/>
           </a:xfrm>
         </p:spPr>
         <p:txBody>
@@ -177,39 +182,39 @@
           <a:lstStyle>
             <a:lvl1pPr marL="0" indent="0" algn="ctr">
               <a:buNone/>
-              <a:defRPr sz="3200"/>
+              <a:defRPr sz="2880"/>
             </a:lvl1pPr>
-            <a:lvl2pPr marL="609585" indent="0" algn="ctr">
-              <a:buNone/>
-              <a:defRPr sz="2667"/>
+            <a:lvl2pPr marL="548640" indent="0" algn="ctr">
+              <a:buNone/>
+              <a:defRPr sz="2400"/>
             </a:lvl2pPr>
-            <a:lvl3pPr marL="1219170" indent="0" algn="ctr">
-              <a:buNone/>
-              <a:defRPr sz="2400"/>
+            <a:lvl3pPr marL="1097280" indent="0" algn="ctr">
+              <a:buNone/>
+              <a:defRPr sz="2160"/>
             </a:lvl3pPr>
-            <a:lvl4pPr marL="1828754" indent="0" algn="ctr">
-              <a:buNone/>
-              <a:defRPr sz="2133"/>
+            <a:lvl4pPr marL="1645920" indent="0" algn="ctr">
+              <a:buNone/>
+              <a:defRPr sz="1920"/>
             </a:lvl4pPr>
-            <a:lvl5pPr marL="2438339" indent="0" algn="ctr">
-              <a:buNone/>
-              <a:defRPr sz="2133"/>
+            <a:lvl5pPr marL="2194560" indent="0" algn="ctr">
+              <a:buNone/>
+              <a:defRPr sz="1920"/>
             </a:lvl5pPr>
-            <a:lvl6pPr marL="3047924" indent="0" algn="ctr">
-              <a:buNone/>
-              <a:defRPr sz="2133"/>
+            <a:lvl6pPr marL="2743200" indent="0" algn="ctr">
+              <a:buNone/>
+              <a:defRPr sz="1920"/>
             </a:lvl6pPr>
-            <a:lvl7pPr marL="3657509" indent="0" algn="ctr">
-              <a:buNone/>
-              <a:defRPr sz="2133"/>
+            <a:lvl7pPr marL="3291840" indent="0" algn="ctr">
+              <a:buNone/>
+              <a:defRPr sz="1920"/>
             </a:lvl7pPr>
-            <a:lvl8pPr marL="4267093" indent="0" algn="ctr">
-              <a:buNone/>
-              <a:defRPr sz="2133"/>
+            <a:lvl8pPr marL="3840480" indent="0" algn="ctr">
+              <a:buNone/>
+              <a:defRPr sz="1920"/>
             </a:lvl8pPr>
-            <a:lvl9pPr marL="4876678" indent="0" algn="ctr">
-              <a:buNone/>
-              <a:defRPr sz="2133"/>
+            <a:lvl9pPr marL="4389120" indent="0" algn="ctr">
+              <a:buNone/>
+              <a:defRPr sz="1920"/>
             </a:lvl9pPr>
           </a:lstStyle>
           <a:p>
@@ -238,7 +243,7 @@
           <a:p>
             <a:fld id="{B45C7DC4-769B-427D-AFA2-85EF64D0319D}" type="datetimeFigureOut">
               <a:rPr lang="en-US" smtClean="0"/>
-              <a:t>8/23/2020</a:t>
+              <a:t>8/25/20</a:t>
             </a:fld>
             <a:endParaRPr lang="en-US"/>
           </a:p>
@@ -289,7 +294,7 @@
     </p:spTree>
     <p:extLst>
       <p:ext uri="{BB962C8B-B14F-4D97-AF65-F5344CB8AC3E}">
-        <p14:creationId xmlns:p14="http://schemas.microsoft.com/office/powerpoint/2010/main" val="339770268"/>
+        <p14:creationId xmlns:p14="http://schemas.microsoft.com/office/powerpoint/2010/main" val="2462631693"/>
       </p:ext>
     </p:extLst>
   </p:cSld>
@@ -408,7 +413,7 @@
           <a:p>
             <a:fld id="{B45C7DC4-769B-427D-AFA2-85EF64D0319D}" type="datetimeFigureOut">
               <a:rPr lang="en-US" smtClean="0"/>
-              <a:t>8/23/2020</a:t>
+              <a:t>8/25/20</a:t>
             </a:fld>
             <a:endParaRPr lang="en-US"/>
           </a:p>
@@ -459,7 +464,7 @@
     </p:spTree>
     <p:extLst>
       <p:ext uri="{BB962C8B-B14F-4D97-AF65-F5344CB8AC3E}">
-        <p14:creationId xmlns:p14="http://schemas.microsoft.com/office/powerpoint/2010/main" val="3106772367"/>
+        <p14:creationId xmlns:p14="http://schemas.microsoft.com/office/powerpoint/2010/main" val="638661945"/>
       </p:ext>
     </p:extLst>
   </p:cSld>
@@ -498,8 +503,8 @@
         </p:nvSpPr>
         <p:spPr>
           <a:xfrm>
-            <a:off x="36644580" y="486834"/>
-            <a:ext cx="11041380" cy="7749117"/>
+            <a:off x="36644580" y="438150"/>
+            <a:ext cx="11041380" cy="6974206"/>
           </a:xfrm>
         </p:spPr>
         <p:txBody>
@@ -526,8 +531,8 @@
         </p:nvSpPr>
         <p:spPr>
           <a:xfrm>
-            <a:off x="3520440" y="486834"/>
-            <a:ext cx="32484060" cy="7749117"/>
+            <a:off x="3520440" y="438150"/>
+            <a:ext cx="32484060" cy="6974206"/>
           </a:xfrm>
         </p:spPr>
         <p:txBody>
@@ -588,7 +593,7 @@
           <a:p>
             <a:fld id="{B45C7DC4-769B-427D-AFA2-85EF64D0319D}" type="datetimeFigureOut">
               <a:rPr lang="en-US" smtClean="0"/>
-              <a:t>8/23/2020</a:t>
+              <a:t>8/25/20</a:t>
             </a:fld>
             <a:endParaRPr lang="en-US"/>
           </a:p>
@@ -639,7 +644,7 @@
     </p:spTree>
     <p:extLst>
       <p:ext uri="{BB962C8B-B14F-4D97-AF65-F5344CB8AC3E}">
-        <p14:creationId xmlns:p14="http://schemas.microsoft.com/office/powerpoint/2010/main" val="4136538648"/>
+        <p14:creationId xmlns:p14="http://schemas.microsoft.com/office/powerpoint/2010/main" val="1020442123"/>
       </p:ext>
     </p:extLst>
   </p:cSld>
@@ -758,7 +763,7 @@
           <a:p>
             <a:fld id="{B45C7DC4-769B-427D-AFA2-85EF64D0319D}" type="datetimeFigureOut">
               <a:rPr lang="en-US" smtClean="0"/>
-              <a:t>8/23/2020</a:t>
+              <a:t>8/25/20</a:t>
             </a:fld>
             <a:endParaRPr lang="en-US"/>
           </a:p>
@@ -809,7 +814,7 @@
     </p:spTree>
     <p:extLst>
       <p:ext uri="{BB962C8B-B14F-4D97-AF65-F5344CB8AC3E}">
-        <p14:creationId xmlns:p14="http://schemas.microsoft.com/office/powerpoint/2010/main" val="2343966083"/>
+        <p14:creationId xmlns:p14="http://schemas.microsoft.com/office/powerpoint/2010/main" val="703422326"/>
       </p:ext>
     </p:extLst>
   </p:cSld>
@@ -848,15 +853,15 @@
         </p:nvSpPr>
         <p:spPr>
           <a:xfrm>
-            <a:off x="3493770" y="2279652"/>
-            <a:ext cx="44165520" cy="3803649"/>
+            <a:off x="3493770" y="2051686"/>
+            <a:ext cx="44165520" cy="3423284"/>
           </a:xfrm>
         </p:spPr>
         <p:txBody>
           <a:bodyPr anchor="b"/>
           <a:lstStyle>
             <a:lvl1pPr>
-              <a:defRPr sz="8000"/>
+              <a:defRPr sz="7200"/>
             </a:lvl1pPr>
           </a:lstStyle>
           <a:p>
@@ -880,8 +885,8 @@
         </p:nvSpPr>
         <p:spPr>
           <a:xfrm>
-            <a:off x="3493770" y="6119285"/>
-            <a:ext cx="44165520" cy="2000249"/>
+            <a:off x="3493770" y="5507356"/>
+            <a:ext cx="44165520" cy="1800224"/>
           </a:xfrm>
         </p:spPr>
         <p:txBody>
@@ -889,7 +894,7 @@
           <a:lstStyle>
             <a:lvl1pPr marL="0" indent="0">
               <a:buNone/>
-              <a:defRPr sz="3200">
+              <a:defRPr sz="2880">
                 <a:solidFill>
                   <a:schemeClr val="tx1">
                     <a:tint val="75000"/>
@@ -897,9 +902,9 @@
                 </a:solidFill>
               </a:defRPr>
             </a:lvl1pPr>
-            <a:lvl2pPr marL="609585" indent="0">
-              <a:buNone/>
-              <a:defRPr sz="2667">
+            <a:lvl2pPr marL="548640" indent="0">
+              <a:buNone/>
+              <a:defRPr sz="2400">
                 <a:solidFill>
                   <a:schemeClr val="tx1">
                     <a:tint val="75000"/>
@@ -907,9 +912,9 @@
                 </a:solidFill>
               </a:defRPr>
             </a:lvl2pPr>
-            <a:lvl3pPr marL="1219170" indent="0">
-              <a:buNone/>
-              <a:defRPr sz="2400">
+            <a:lvl3pPr marL="1097280" indent="0">
+              <a:buNone/>
+              <a:defRPr sz="2160">
                 <a:solidFill>
                   <a:schemeClr val="tx1">
                     <a:tint val="75000"/>
@@ -917,9 +922,9 @@
                 </a:solidFill>
               </a:defRPr>
             </a:lvl3pPr>
-            <a:lvl4pPr marL="1828754" indent="0">
-              <a:buNone/>
-              <a:defRPr sz="2133">
+            <a:lvl4pPr marL="1645920" indent="0">
+              <a:buNone/>
+              <a:defRPr sz="1920">
                 <a:solidFill>
                   <a:schemeClr val="tx1">
                     <a:tint val="75000"/>
@@ -927,9 +932,9 @@
                 </a:solidFill>
               </a:defRPr>
             </a:lvl4pPr>
-            <a:lvl5pPr marL="2438339" indent="0">
-              <a:buNone/>
-              <a:defRPr sz="2133">
+            <a:lvl5pPr marL="2194560" indent="0">
+              <a:buNone/>
+              <a:defRPr sz="1920">
                 <a:solidFill>
                   <a:schemeClr val="tx1">
                     <a:tint val="75000"/>
@@ -937,9 +942,9 @@
                 </a:solidFill>
               </a:defRPr>
             </a:lvl5pPr>
-            <a:lvl6pPr marL="3047924" indent="0">
-              <a:buNone/>
-              <a:defRPr sz="2133">
+            <a:lvl6pPr marL="2743200" indent="0">
+              <a:buNone/>
+              <a:defRPr sz="1920">
                 <a:solidFill>
                   <a:schemeClr val="tx1">
                     <a:tint val="75000"/>
@@ -947,9 +952,9 @@
                 </a:solidFill>
               </a:defRPr>
             </a:lvl6pPr>
-            <a:lvl7pPr marL="3657509" indent="0">
-              <a:buNone/>
-              <a:defRPr sz="2133">
+            <a:lvl7pPr marL="3291840" indent="0">
+              <a:buNone/>
+              <a:defRPr sz="1920">
                 <a:solidFill>
                   <a:schemeClr val="tx1">
                     <a:tint val="75000"/>
@@ -957,9 +962,9 @@
                 </a:solidFill>
               </a:defRPr>
             </a:lvl7pPr>
-            <a:lvl8pPr marL="4267093" indent="0">
-              <a:buNone/>
-              <a:defRPr sz="2133">
+            <a:lvl8pPr marL="3840480" indent="0">
+              <a:buNone/>
+              <a:defRPr sz="1920">
                 <a:solidFill>
                   <a:schemeClr val="tx1">
                     <a:tint val="75000"/>
@@ -967,9 +972,9 @@
                 </a:solidFill>
               </a:defRPr>
             </a:lvl8pPr>
-            <a:lvl9pPr marL="4876678" indent="0">
-              <a:buNone/>
-              <a:defRPr sz="2133">
+            <a:lvl9pPr marL="4389120" indent="0">
+              <a:buNone/>
+              <a:defRPr sz="1920">
                 <a:solidFill>
                   <a:schemeClr val="tx1">
                     <a:tint val="75000"/>
@@ -1004,7 +1009,7 @@
           <a:p>
             <a:fld id="{B45C7DC4-769B-427D-AFA2-85EF64D0319D}" type="datetimeFigureOut">
               <a:rPr lang="en-US" smtClean="0"/>
-              <a:t>8/23/2020</a:t>
+              <a:t>8/25/20</a:t>
             </a:fld>
             <a:endParaRPr lang="en-US"/>
           </a:p>
@@ -1055,7 +1060,7 @@
     </p:spTree>
     <p:extLst>
       <p:ext uri="{BB962C8B-B14F-4D97-AF65-F5344CB8AC3E}">
-        <p14:creationId xmlns:p14="http://schemas.microsoft.com/office/powerpoint/2010/main" val="413500090"/>
+        <p14:creationId xmlns:p14="http://schemas.microsoft.com/office/powerpoint/2010/main" val="1279468204"/>
       </p:ext>
     </p:extLst>
   </p:cSld>
@@ -1117,8 +1122,8 @@
         </p:nvSpPr>
         <p:spPr>
           <a:xfrm>
-            <a:off x="3520440" y="2434167"/>
-            <a:ext cx="21762720" cy="5801784"/>
+            <a:off x="3520440" y="2190750"/>
+            <a:ext cx="21762720" cy="5221606"/>
           </a:xfrm>
         </p:spPr>
         <p:txBody>
@@ -1174,8 +1179,8 @@
         </p:nvSpPr>
         <p:spPr>
           <a:xfrm>
-            <a:off x="25923240" y="2434167"/>
-            <a:ext cx="21762720" cy="5801784"/>
+            <a:off x="25923240" y="2190750"/>
+            <a:ext cx="21762720" cy="5221606"/>
           </a:xfrm>
         </p:spPr>
         <p:txBody>
@@ -1236,7 +1241,7 @@
           <a:p>
             <a:fld id="{B45C7DC4-769B-427D-AFA2-85EF64D0319D}" type="datetimeFigureOut">
               <a:rPr lang="en-US" smtClean="0"/>
-              <a:t>8/23/2020</a:t>
+              <a:t>8/25/20</a:t>
             </a:fld>
             <a:endParaRPr lang="en-US"/>
           </a:p>
@@ -1287,7 +1292,7 @@
     </p:spTree>
     <p:extLst>
       <p:ext uri="{BB962C8B-B14F-4D97-AF65-F5344CB8AC3E}">
-        <p14:creationId xmlns:p14="http://schemas.microsoft.com/office/powerpoint/2010/main" val="1154355744"/>
+        <p14:creationId xmlns:p14="http://schemas.microsoft.com/office/powerpoint/2010/main" val="4288805961"/>
       </p:ext>
     </p:extLst>
   </p:cSld>
@@ -1326,8 +1331,8 @@
         </p:nvSpPr>
         <p:spPr>
           <a:xfrm>
-            <a:off x="3527110" y="486834"/>
-            <a:ext cx="44165520" cy="1767417"/>
+            <a:off x="3527110" y="438150"/>
+            <a:ext cx="44165520" cy="1590676"/>
           </a:xfrm>
         </p:spPr>
         <p:txBody>
@@ -1354,8 +1359,8 @@
         </p:nvSpPr>
         <p:spPr>
           <a:xfrm>
-            <a:off x="3527112" y="2241551"/>
-            <a:ext cx="21662705" cy="1098549"/>
+            <a:off x="3527112" y="2017396"/>
+            <a:ext cx="21662705" cy="988694"/>
           </a:xfrm>
         </p:spPr>
         <p:txBody>
@@ -1363,39 +1368,39 @@
           <a:lstStyle>
             <a:lvl1pPr marL="0" indent="0">
               <a:buNone/>
-              <a:defRPr sz="3200" b="1"/>
+              <a:defRPr sz="2880" b="1"/>
             </a:lvl1pPr>
-            <a:lvl2pPr marL="609585" indent="0">
-              <a:buNone/>
-              <a:defRPr sz="2667" b="1"/>
+            <a:lvl2pPr marL="548640" indent="0">
+              <a:buNone/>
+              <a:defRPr sz="2400" b="1"/>
             </a:lvl2pPr>
-            <a:lvl3pPr marL="1219170" indent="0">
-              <a:buNone/>
-              <a:defRPr sz="2400" b="1"/>
+            <a:lvl3pPr marL="1097280" indent="0">
+              <a:buNone/>
+              <a:defRPr sz="2160" b="1"/>
             </a:lvl3pPr>
-            <a:lvl4pPr marL="1828754" indent="0">
-              <a:buNone/>
-              <a:defRPr sz="2133" b="1"/>
+            <a:lvl4pPr marL="1645920" indent="0">
+              <a:buNone/>
+              <a:defRPr sz="1920" b="1"/>
             </a:lvl4pPr>
-            <a:lvl5pPr marL="2438339" indent="0">
-              <a:buNone/>
-              <a:defRPr sz="2133" b="1"/>
+            <a:lvl5pPr marL="2194560" indent="0">
+              <a:buNone/>
+              <a:defRPr sz="1920" b="1"/>
             </a:lvl5pPr>
-            <a:lvl6pPr marL="3047924" indent="0">
-              <a:buNone/>
-              <a:defRPr sz="2133" b="1"/>
+            <a:lvl6pPr marL="2743200" indent="0">
+              <a:buNone/>
+              <a:defRPr sz="1920" b="1"/>
             </a:lvl6pPr>
-            <a:lvl7pPr marL="3657509" indent="0">
-              <a:buNone/>
-              <a:defRPr sz="2133" b="1"/>
+            <a:lvl7pPr marL="3291840" indent="0">
+              <a:buNone/>
+              <a:defRPr sz="1920" b="1"/>
             </a:lvl7pPr>
-            <a:lvl8pPr marL="4267093" indent="0">
-              <a:buNone/>
-              <a:defRPr sz="2133" b="1"/>
+            <a:lvl8pPr marL="3840480" indent="0">
+              <a:buNone/>
+              <a:defRPr sz="1920" b="1"/>
             </a:lvl8pPr>
-            <a:lvl9pPr marL="4876678" indent="0">
-              <a:buNone/>
-              <a:defRPr sz="2133" b="1"/>
+            <a:lvl9pPr marL="4389120" indent="0">
+              <a:buNone/>
+              <a:defRPr sz="1920" b="1"/>
             </a:lvl9pPr>
           </a:lstStyle>
           <a:p>
@@ -1419,8 +1424,8 @@
         </p:nvSpPr>
         <p:spPr>
           <a:xfrm>
-            <a:off x="3527112" y="3340100"/>
-            <a:ext cx="21662705" cy="4912784"/>
+            <a:off x="3527112" y="3006090"/>
+            <a:ext cx="21662705" cy="4421506"/>
           </a:xfrm>
         </p:spPr>
         <p:txBody>
@@ -1476,8 +1481,8 @@
         </p:nvSpPr>
         <p:spPr>
           <a:xfrm>
-            <a:off x="25923240" y="2241551"/>
-            <a:ext cx="21769390" cy="1098549"/>
+            <a:off x="25923240" y="2017396"/>
+            <a:ext cx="21769390" cy="988694"/>
           </a:xfrm>
         </p:spPr>
         <p:txBody>
@@ -1485,39 +1490,39 @@
           <a:lstStyle>
             <a:lvl1pPr marL="0" indent="0">
               <a:buNone/>
-              <a:defRPr sz="3200" b="1"/>
+              <a:defRPr sz="2880" b="1"/>
             </a:lvl1pPr>
-            <a:lvl2pPr marL="609585" indent="0">
-              <a:buNone/>
-              <a:defRPr sz="2667" b="1"/>
+            <a:lvl2pPr marL="548640" indent="0">
+              <a:buNone/>
+              <a:defRPr sz="2400" b="1"/>
             </a:lvl2pPr>
-            <a:lvl3pPr marL="1219170" indent="0">
-              <a:buNone/>
-              <a:defRPr sz="2400" b="1"/>
+            <a:lvl3pPr marL="1097280" indent="0">
+              <a:buNone/>
+              <a:defRPr sz="2160" b="1"/>
             </a:lvl3pPr>
-            <a:lvl4pPr marL="1828754" indent="0">
-              <a:buNone/>
-              <a:defRPr sz="2133" b="1"/>
+            <a:lvl4pPr marL="1645920" indent="0">
+              <a:buNone/>
+              <a:defRPr sz="1920" b="1"/>
             </a:lvl4pPr>
-            <a:lvl5pPr marL="2438339" indent="0">
-              <a:buNone/>
-              <a:defRPr sz="2133" b="1"/>
+            <a:lvl5pPr marL="2194560" indent="0">
+              <a:buNone/>
+              <a:defRPr sz="1920" b="1"/>
             </a:lvl5pPr>
-            <a:lvl6pPr marL="3047924" indent="0">
-              <a:buNone/>
-              <a:defRPr sz="2133" b="1"/>
+            <a:lvl6pPr marL="2743200" indent="0">
+              <a:buNone/>
+              <a:defRPr sz="1920" b="1"/>
             </a:lvl6pPr>
-            <a:lvl7pPr marL="3657509" indent="0">
-              <a:buNone/>
-              <a:defRPr sz="2133" b="1"/>
+            <a:lvl7pPr marL="3291840" indent="0">
+              <a:buNone/>
+              <a:defRPr sz="1920" b="1"/>
             </a:lvl7pPr>
-            <a:lvl8pPr marL="4267093" indent="0">
-              <a:buNone/>
-              <a:defRPr sz="2133" b="1"/>
+            <a:lvl8pPr marL="3840480" indent="0">
+              <a:buNone/>
+              <a:defRPr sz="1920" b="1"/>
             </a:lvl8pPr>
-            <a:lvl9pPr marL="4876678" indent="0">
-              <a:buNone/>
-              <a:defRPr sz="2133" b="1"/>
+            <a:lvl9pPr marL="4389120" indent="0">
+              <a:buNone/>
+              <a:defRPr sz="1920" b="1"/>
             </a:lvl9pPr>
           </a:lstStyle>
           <a:p>
@@ -1541,8 +1546,8 @@
         </p:nvSpPr>
         <p:spPr>
           <a:xfrm>
-            <a:off x="25923240" y="3340100"/>
-            <a:ext cx="21769390" cy="4912784"/>
+            <a:off x="25923240" y="3006090"/>
+            <a:ext cx="21769390" cy="4421506"/>
           </a:xfrm>
         </p:spPr>
         <p:txBody>
@@ -1603,7 +1608,7 @@
           <a:p>
             <a:fld id="{B45C7DC4-769B-427D-AFA2-85EF64D0319D}" type="datetimeFigureOut">
               <a:rPr lang="en-US" smtClean="0"/>
-              <a:t>8/23/2020</a:t>
+              <a:t>8/25/20</a:t>
             </a:fld>
             <a:endParaRPr lang="en-US"/>
           </a:p>
@@ -1654,7 +1659,7 @@
     </p:spTree>
     <p:extLst>
       <p:ext uri="{BB962C8B-B14F-4D97-AF65-F5344CB8AC3E}">
-        <p14:creationId xmlns:p14="http://schemas.microsoft.com/office/powerpoint/2010/main" val="137973305"/>
+        <p14:creationId xmlns:p14="http://schemas.microsoft.com/office/powerpoint/2010/main" val="649481679"/>
       </p:ext>
     </p:extLst>
   </p:cSld>
@@ -1721,7 +1726,7 @@
           <a:p>
             <a:fld id="{B45C7DC4-769B-427D-AFA2-85EF64D0319D}" type="datetimeFigureOut">
               <a:rPr lang="en-US" smtClean="0"/>
-              <a:t>8/23/2020</a:t>
+              <a:t>8/25/20</a:t>
             </a:fld>
             <a:endParaRPr lang="en-US"/>
           </a:p>
@@ -1772,7 +1777,7 @@
     </p:spTree>
     <p:extLst>
       <p:ext uri="{BB962C8B-B14F-4D97-AF65-F5344CB8AC3E}">
-        <p14:creationId xmlns:p14="http://schemas.microsoft.com/office/powerpoint/2010/main" val="1478679353"/>
+        <p14:creationId xmlns:p14="http://schemas.microsoft.com/office/powerpoint/2010/main" val="1458130370"/>
       </p:ext>
     </p:extLst>
   </p:cSld>
@@ -1816,7 +1821,7 @@
           <a:p>
             <a:fld id="{B45C7DC4-769B-427D-AFA2-85EF64D0319D}" type="datetimeFigureOut">
               <a:rPr lang="en-US" smtClean="0"/>
-              <a:t>8/23/2020</a:t>
+              <a:t>8/25/20</a:t>
             </a:fld>
             <a:endParaRPr lang="en-US"/>
           </a:p>
@@ -1867,7 +1872,7 @@
     </p:spTree>
     <p:extLst>
       <p:ext uri="{BB962C8B-B14F-4D97-AF65-F5344CB8AC3E}">
-        <p14:creationId xmlns:p14="http://schemas.microsoft.com/office/powerpoint/2010/main" val="2256406427"/>
+        <p14:creationId xmlns:p14="http://schemas.microsoft.com/office/powerpoint/2010/main" val="2584791245"/>
       </p:ext>
     </p:extLst>
   </p:cSld>
@@ -1906,15 +1911,15 @@
         </p:nvSpPr>
         <p:spPr>
           <a:xfrm>
-            <a:off x="3527112" y="609600"/>
-            <a:ext cx="16515395" cy="2133600"/>
+            <a:off x="3527112" y="548640"/>
+            <a:ext cx="16515395" cy="1920240"/>
           </a:xfrm>
         </p:spPr>
         <p:txBody>
           <a:bodyPr anchor="b"/>
           <a:lstStyle>
             <a:lvl1pPr>
-              <a:defRPr sz="4267"/>
+              <a:defRPr sz="3840"/>
             </a:lvl1pPr>
           </a:lstStyle>
           <a:p>
@@ -1938,39 +1943,39 @@
         </p:nvSpPr>
         <p:spPr>
           <a:xfrm>
-            <a:off x="21769390" y="1316567"/>
-            <a:ext cx="25923240" cy="6498167"/>
+            <a:off x="21769390" y="1184911"/>
+            <a:ext cx="25923240" cy="5848350"/>
           </a:xfrm>
         </p:spPr>
         <p:txBody>
           <a:bodyPr/>
           <a:lstStyle>
             <a:lvl1pPr>
-              <a:defRPr sz="4267"/>
+              <a:defRPr sz="3840"/>
             </a:lvl1pPr>
             <a:lvl2pPr>
-              <a:defRPr sz="3733"/>
+              <a:defRPr sz="3360"/>
             </a:lvl2pPr>
             <a:lvl3pPr>
-              <a:defRPr sz="3200"/>
+              <a:defRPr sz="2880"/>
             </a:lvl3pPr>
             <a:lvl4pPr>
-              <a:defRPr sz="2667"/>
+              <a:defRPr sz="2400"/>
             </a:lvl4pPr>
             <a:lvl5pPr>
-              <a:defRPr sz="2667"/>
+              <a:defRPr sz="2400"/>
             </a:lvl5pPr>
             <a:lvl6pPr>
-              <a:defRPr sz="2667"/>
+              <a:defRPr sz="2400"/>
             </a:lvl6pPr>
             <a:lvl7pPr>
-              <a:defRPr sz="2667"/>
+              <a:defRPr sz="2400"/>
             </a:lvl7pPr>
             <a:lvl8pPr>
-              <a:defRPr sz="2667"/>
+              <a:defRPr sz="2400"/>
             </a:lvl8pPr>
             <a:lvl9pPr>
-              <a:defRPr sz="2667"/>
+              <a:defRPr sz="2400"/>
             </a:lvl9pPr>
           </a:lstStyle>
           <a:p>
@@ -2023,8 +2028,8 @@
         </p:nvSpPr>
         <p:spPr>
           <a:xfrm>
-            <a:off x="3527112" y="2743200"/>
-            <a:ext cx="16515395" cy="5082117"/>
+            <a:off x="3527112" y="2468880"/>
+            <a:ext cx="16515395" cy="4573906"/>
           </a:xfrm>
         </p:spPr>
         <p:txBody>
@@ -2032,39 +2037,39 @@
           <a:lstStyle>
             <a:lvl1pPr marL="0" indent="0">
               <a:buNone/>
-              <a:defRPr sz="2133"/>
+              <a:defRPr sz="1920"/>
             </a:lvl1pPr>
-            <a:lvl2pPr marL="609585" indent="0">
-              <a:buNone/>
-              <a:defRPr sz="1867"/>
+            <a:lvl2pPr marL="548640" indent="0">
+              <a:buNone/>
+              <a:defRPr sz="1680"/>
             </a:lvl2pPr>
-            <a:lvl3pPr marL="1219170" indent="0">
-              <a:buNone/>
-              <a:defRPr sz="1600"/>
+            <a:lvl3pPr marL="1097280" indent="0">
+              <a:buNone/>
+              <a:defRPr sz="1440"/>
             </a:lvl3pPr>
-            <a:lvl4pPr marL="1828754" indent="0">
-              <a:buNone/>
-              <a:defRPr sz="1333"/>
+            <a:lvl4pPr marL="1645920" indent="0">
+              <a:buNone/>
+              <a:defRPr sz="1200"/>
             </a:lvl4pPr>
-            <a:lvl5pPr marL="2438339" indent="0">
-              <a:buNone/>
-              <a:defRPr sz="1333"/>
+            <a:lvl5pPr marL="2194560" indent="0">
+              <a:buNone/>
+              <a:defRPr sz="1200"/>
             </a:lvl5pPr>
-            <a:lvl6pPr marL="3047924" indent="0">
-              <a:buNone/>
-              <a:defRPr sz="1333"/>
+            <a:lvl6pPr marL="2743200" indent="0">
+              <a:buNone/>
+              <a:defRPr sz="1200"/>
             </a:lvl6pPr>
-            <a:lvl7pPr marL="3657509" indent="0">
-              <a:buNone/>
-              <a:defRPr sz="1333"/>
+            <a:lvl7pPr marL="3291840" indent="0">
+              <a:buNone/>
+              <a:defRPr sz="1200"/>
             </a:lvl7pPr>
-            <a:lvl8pPr marL="4267093" indent="0">
-              <a:buNone/>
-              <a:defRPr sz="1333"/>
+            <a:lvl8pPr marL="3840480" indent="0">
+              <a:buNone/>
+              <a:defRPr sz="1200"/>
             </a:lvl8pPr>
-            <a:lvl9pPr marL="4876678" indent="0">
-              <a:buNone/>
-              <a:defRPr sz="1333"/>
+            <a:lvl9pPr marL="4389120" indent="0">
+              <a:buNone/>
+              <a:defRPr sz="1200"/>
             </a:lvl9pPr>
           </a:lstStyle>
           <a:p>
@@ -2093,7 +2098,7 @@
           <a:p>
             <a:fld id="{B45C7DC4-769B-427D-AFA2-85EF64D0319D}" type="datetimeFigureOut">
               <a:rPr lang="en-US" smtClean="0"/>
-              <a:t>8/23/2020</a:t>
+              <a:t>8/25/20</a:t>
             </a:fld>
             <a:endParaRPr lang="en-US"/>
           </a:p>
@@ -2144,7 +2149,7 @@
     </p:spTree>
     <p:extLst>
       <p:ext uri="{BB962C8B-B14F-4D97-AF65-F5344CB8AC3E}">
-        <p14:creationId xmlns:p14="http://schemas.microsoft.com/office/powerpoint/2010/main" val="863524471"/>
+        <p14:creationId xmlns:p14="http://schemas.microsoft.com/office/powerpoint/2010/main" val="1405027469"/>
       </p:ext>
     </p:extLst>
   </p:cSld>
@@ -2183,15 +2188,15 @@
         </p:nvSpPr>
         <p:spPr>
           <a:xfrm>
-            <a:off x="3527112" y="609600"/>
-            <a:ext cx="16515395" cy="2133600"/>
+            <a:off x="3527112" y="548640"/>
+            <a:ext cx="16515395" cy="1920240"/>
           </a:xfrm>
         </p:spPr>
         <p:txBody>
           <a:bodyPr anchor="b"/>
           <a:lstStyle>
             <a:lvl1pPr>
-              <a:defRPr sz="4267"/>
+              <a:defRPr sz="3840"/>
             </a:lvl1pPr>
           </a:lstStyle>
           <a:p>
@@ -2215,8 +2220,8 @@
         </p:nvSpPr>
         <p:spPr>
           <a:xfrm>
-            <a:off x="21769390" y="1316567"/>
-            <a:ext cx="25923240" cy="6498167"/>
+            <a:off x="21769390" y="1184911"/>
+            <a:ext cx="25923240" cy="5848350"/>
           </a:xfrm>
         </p:spPr>
         <p:txBody>
@@ -2224,39 +2229,39 @@
           <a:lstStyle>
             <a:lvl1pPr marL="0" indent="0">
               <a:buNone/>
-              <a:defRPr sz="4267"/>
+              <a:defRPr sz="3840"/>
             </a:lvl1pPr>
-            <a:lvl2pPr marL="609585" indent="0">
-              <a:buNone/>
-              <a:defRPr sz="3733"/>
+            <a:lvl2pPr marL="548640" indent="0">
+              <a:buNone/>
+              <a:defRPr sz="3360"/>
             </a:lvl2pPr>
-            <a:lvl3pPr marL="1219170" indent="0">
-              <a:buNone/>
-              <a:defRPr sz="3200"/>
+            <a:lvl3pPr marL="1097280" indent="0">
+              <a:buNone/>
+              <a:defRPr sz="2880"/>
             </a:lvl3pPr>
-            <a:lvl4pPr marL="1828754" indent="0">
-              <a:buNone/>
-              <a:defRPr sz="2667"/>
+            <a:lvl4pPr marL="1645920" indent="0">
+              <a:buNone/>
+              <a:defRPr sz="2400"/>
             </a:lvl4pPr>
-            <a:lvl5pPr marL="2438339" indent="0">
-              <a:buNone/>
-              <a:defRPr sz="2667"/>
+            <a:lvl5pPr marL="2194560" indent="0">
+              <a:buNone/>
+              <a:defRPr sz="2400"/>
             </a:lvl5pPr>
-            <a:lvl6pPr marL="3047924" indent="0">
-              <a:buNone/>
-              <a:defRPr sz="2667"/>
+            <a:lvl6pPr marL="2743200" indent="0">
+              <a:buNone/>
+              <a:defRPr sz="2400"/>
             </a:lvl6pPr>
-            <a:lvl7pPr marL="3657509" indent="0">
-              <a:buNone/>
-              <a:defRPr sz="2667"/>
+            <a:lvl7pPr marL="3291840" indent="0">
+              <a:buNone/>
+              <a:defRPr sz="2400"/>
             </a:lvl7pPr>
-            <a:lvl8pPr marL="4267093" indent="0">
-              <a:buNone/>
-              <a:defRPr sz="2667"/>
+            <a:lvl8pPr marL="3840480" indent="0">
+              <a:buNone/>
+              <a:defRPr sz="2400"/>
             </a:lvl8pPr>
-            <a:lvl9pPr marL="4876678" indent="0">
-              <a:buNone/>
-              <a:defRPr sz="2667"/>
+            <a:lvl9pPr marL="4389120" indent="0">
+              <a:buNone/>
+              <a:defRPr sz="2400"/>
             </a:lvl9pPr>
           </a:lstStyle>
           <a:p>
@@ -2280,8 +2285,8 @@
         </p:nvSpPr>
         <p:spPr>
           <a:xfrm>
-            <a:off x="3527112" y="2743200"/>
-            <a:ext cx="16515395" cy="5082117"/>
+            <a:off x="3527112" y="2468880"/>
+            <a:ext cx="16515395" cy="4573906"/>
           </a:xfrm>
         </p:spPr>
         <p:txBody>
@@ -2289,39 +2294,39 @@
           <a:lstStyle>
             <a:lvl1pPr marL="0" indent="0">
               <a:buNone/>
-              <a:defRPr sz="2133"/>
+              <a:defRPr sz="1920"/>
             </a:lvl1pPr>
-            <a:lvl2pPr marL="609585" indent="0">
-              <a:buNone/>
-              <a:defRPr sz="1867"/>
+            <a:lvl2pPr marL="548640" indent="0">
+              <a:buNone/>
+              <a:defRPr sz="1680"/>
             </a:lvl2pPr>
-            <a:lvl3pPr marL="1219170" indent="0">
-              <a:buNone/>
-              <a:defRPr sz="1600"/>
+            <a:lvl3pPr marL="1097280" indent="0">
+              <a:buNone/>
+              <a:defRPr sz="1440"/>
             </a:lvl3pPr>
-            <a:lvl4pPr marL="1828754" indent="0">
-              <a:buNone/>
-              <a:defRPr sz="1333"/>
+            <a:lvl4pPr marL="1645920" indent="0">
+              <a:buNone/>
+              <a:defRPr sz="1200"/>
             </a:lvl4pPr>
-            <a:lvl5pPr marL="2438339" indent="0">
-              <a:buNone/>
-              <a:defRPr sz="1333"/>
+            <a:lvl5pPr marL="2194560" indent="0">
+              <a:buNone/>
+              <a:defRPr sz="1200"/>
             </a:lvl5pPr>
-            <a:lvl6pPr marL="3047924" indent="0">
-              <a:buNone/>
-              <a:defRPr sz="1333"/>
+            <a:lvl6pPr marL="2743200" indent="0">
+              <a:buNone/>
+              <a:defRPr sz="1200"/>
             </a:lvl6pPr>
-            <a:lvl7pPr marL="3657509" indent="0">
-              <a:buNone/>
-              <a:defRPr sz="1333"/>
+            <a:lvl7pPr marL="3291840" indent="0">
+              <a:buNone/>
+              <a:defRPr sz="1200"/>
             </a:lvl7pPr>
-            <a:lvl8pPr marL="4267093" indent="0">
-              <a:buNone/>
-              <a:defRPr sz="1333"/>
+            <a:lvl8pPr marL="3840480" indent="0">
+              <a:buNone/>
+              <a:defRPr sz="1200"/>
             </a:lvl8pPr>
-            <a:lvl9pPr marL="4876678" indent="0">
-              <a:buNone/>
-              <a:defRPr sz="1333"/>
+            <a:lvl9pPr marL="4389120" indent="0">
+              <a:buNone/>
+              <a:defRPr sz="1200"/>
             </a:lvl9pPr>
           </a:lstStyle>
           <a:p>
@@ -2350,7 +2355,7 @@
           <a:p>
             <a:fld id="{B45C7DC4-769B-427D-AFA2-85EF64D0319D}" type="datetimeFigureOut">
               <a:rPr lang="en-US" smtClean="0"/>
-              <a:t>8/23/2020</a:t>
+              <a:t>8/25/20</a:t>
             </a:fld>
             <a:endParaRPr lang="en-US"/>
           </a:p>
@@ -2401,7 +2406,7 @@
     </p:spTree>
     <p:extLst>
       <p:ext uri="{BB962C8B-B14F-4D97-AF65-F5344CB8AC3E}">
-        <p14:creationId xmlns:p14="http://schemas.microsoft.com/office/powerpoint/2010/main" val="3063347204"/>
+        <p14:creationId xmlns:p14="http://schemas.microsoft.com/office/powerpoint/2010/main" val="3447327723"/>
       </p:ext>
     </p:extLst>
   </p:cSld>
@@ -2445,8 +2450,8 @@
         </p:nvSpPr>
         <p:spPr>
           <a:xfrm>
-            <a:off x="3520440" y="486834"/>
-            <a:ext cx="44165520" cy="1767417"/>
+            <a:off x="3520440" y="438150"/>
+            <a:ext cx="44165520" cy="1590676"/>
           </a:xfrm>
           <a:prstGeom prst="rect">
             <a:avLst/>
@@ -2478,8 +2483,8 @@
         </p:nvSpPr>
         <p:spPr>
           <a:xfrm>
-            <a:off x="3520440" y="2434167"/>
-            <a:ext cx="44165520" cy="5801784"/>
+            <a:off x="3520440" y="2190750"/>
+            <a:ext cx="44165520" cy="5221606"/>
           </a:xfrm>
           <a:prstGeom prst="rect">
             <a:avLst/>
@@ -2540,8 +2545,8 @@
         </p:nvSpPr>
         <p:spPr>
           <a:xfrm>
-            <a:off x="3520440" y="8475134"/>
-            <a:ext cx="11521440" cy="486833"/>
+            <a:off x="3520440" y="7627621"/>
+            <a:ext cx="11521440" cy="438150"/>
           </a:xfrm>
           <a:prstGeom prst="rect">
             <a:avLst/>
@@ -2551,7 +2556,7 @@
           <a:bodyPr vert="horz" lIns="91440" tIns="45720" rIns="91440" bIns="45720" rtlCol="0" anchor="ctr"/>
           <a:lstStyle>
             <a:lvl1pPr algn="l">
-              <a:defRPr sz="1600">
+              <a:defRPr sz="1440">
                 <a:solidFill>
                   <a:schemeClr val="tx1">
                     <a:tint val="75000"/>
@@ -2563,7 +2568,7 @@
           <a:p>
             <a:fld id="{B45C7DC4-769B-427D-AFA2-85EF64D0319D}" type="datetimeFigureOut">
               <a:rPr lang="en-US" smtClean="0"/>
-              <a:t>8/23/2020</a:t>
+              <a:t>8/25/20</a:t>
             </a:fld>
             <a:endParaRPr lang="en-US"/>
           </a:p>
@@ -2581,8 +2586,8 @@
         </p:nvSpPr>
         <p:spPr>
           <a:xfrm>
-            <a:off x="16962120" y="8475134"/>
-            <a:ext cx="17282160" cy="486833"/>
+            <a:off x="16962120" y="7627621"/>
+            <a:ext cx="17282160" cy="438150"/>
           </a:xfrm>
           <a:prstGeom prst="rect">
             <a:avLst/>
@@ -2592,7 +2597,7 @@
           <a:bodyPr vert="horz" lIns="91440" tIns="45720" rIns="91440" bIns="45720" rtlCol="0" anchor="ctr"/>
           <a:lstStyle>
             <a:lvl1pPr algn="ctr">
-              <a:defRPr sz="1600">
+              <a:defRPr sz="1440">
                 <a:solidFill>
                   <a:schemeClr val="tx1">
                     <a:tint val="75000"/>
@@ -2618,8 +2623,8 @@
         </p:nvSpPr>
         <p:spPr>
           <a:xfrm>
-            <a:off x="36164520" y="8475134"/>
-            <a:ext cx="11521440" cy="486833"/>
+            <a:off x="36164520" y="7627621"/>
+            <a:ext cx="11521440" cy="438150"/>
           </a:xfrm>
           <a:prstGeom prst="rect">
             <a:avLst/>
@@ -2629,7 +2634,7 @@
           <a:bodyPr vert="horz" lIns="91440" tIns="45720" rIns="91440" bIns="45720" rtlCol="0" anchor="ctr"/>
           <a:lstStyle>
             <a:lvl1pPr algn="r">
-              <a:defRPr sz="1600">
+              <a:defRPr sz="1440">
                 <a:solidFill>
                   <a:schemeClr val="tx1">
                     <a:tint val="75000"/>
@@ -2650,27 +2655,27 @@
     </p:spTree>
     <p:extLst>
       <p:ext uri="{BB962C8B-B14F-4D97-AF65-F5344CB8AC3E}">
-        <p14:creationId xmlns:p14="http://schemas.microsoft.com/office/powerpoint/2010/main" val="553771683"/>
+        <p14:creationId xmlns:p14="http://schemas.microsoft.com/office/powerpoint/2010/main" val="538494334"/>
       </p:ext>
     </p:extLst>
   </p:cSld>
   <p:clrMap bg1="lt1" tx1="dk1" bg2="lt2" tx2="dk2" accent1="accent1" accent2="accent2" accent3="accent3" accent4="accent4" accent5="accent5" accent6="accent6" hlink="hlink" folHlink="folHlink"/>
   <p:sldLayoutIdLst>
-    <p:sldLayoutId id="2147483721" r:id="rId1"/>
-    <p:sldLayoutId id="2147483722" r:id="rId2"/>
-    <p:sldLayoutId id="2147483723" r:id="rId3"/>
-    <p:sldLayoutId id="2147483724" r:id="rId4"/>
-    <p:sldLayoutId id="2147483725" r:id="rId5"/>
-    <p:sldLayoutId id="2147483726" r:id="rId6"/>
-    <p:sldLayoutId id="2147483727" r:id="rId7"/>
-    <p:sldLayoutId id="2147483728" r:id="rId8"/>
-    <p:sldLayoutId id="2147483729" r:id="rId9"/>
-    <p:sldLayoutId id="2147483730" r:id="rId10"/>
-    <p:sldLayoutId id="2147483731" r:id="rId11"/>
+    <p:sldLayoutId id="2147483817" r:id="rId1"/>
+    <p:sldLayoutId id="2147483818" r:id="rId2"/>
+    <p:sldLayoutId id="2147483819" r:id="rId3"/>
+    <p:sldLayoutId id="2147483820" r:id="rId4"/>
+    <p:sldLayoutId id="2147483821" r:id="rId5"/>
+    <p:sldLayoutId id="2147483822" r:id="rId6"/>
+    <p:sldLayoutId id="2147483823" r:id="rId7"/>
+    <p:sldLayoutId id="2147483824" r:id="rId8"/>
+    <p:sldLayoutId id="2147483825" r:id="rId9"/>
+    <p:sldLayoutId id="2147483826" r:id="rId10"/>
+    <p:sldLayoutId id="2147483827" r:id="rId11"/>
   </p:sldLayoutIdLst>
   <p:txStyles>
     <p:titleStyle>
-      <a:lvl1pPr algn="l" defTabSz="1219170" rtl="0" eaLnBrk="1" latinLnBrk="0" hangingPunct="1">
+      <a:lvl1pPr algn="l" defTabSz="1097280" rtl="0" eaLnBrk="1" latinLnBrk="0" hangingPunct="1">
         <a:lnSpc>
           <a:spcPct val="90000"/>
         </a:lnSpc>
@@ -2678,7 +2683,7 @@
           <a:spcPct val="0"/>
         </a:spcBef>
         <a:buNone/>
-        <a:defRPr sz="5867" kern="1200">
+        <a:defRPr sz="5280" kern="1200">
           <a:solidFill>
             <a:schemeClr val="tx1"/>
           </a:solidFill>
@@ -2689,16 +2694,16 @@
       </a:lvl1pPr>
     </p:titleStyle>
     <p:bodyStyle>
-      <a:lvl1pPr marL="304792" indent="-304792" algn="l" defTabSz="1219170" rtl="0" eaLnBrk="1" latinLnBrk="0" hangingPunct="1">
+      <a:lvl1pPr marL="274320" indent="-274320" algn="l" defTabSz="1097280" rtl="0" eaLnBrk="1" latinLnBrk="0" hangingPunct="1">
         <a:lnSpc>
           <a:spcPct val="90000"/>
         </a:lnSpc>
         <a:spcBef>
-          <a:spcPts val="1333"/>
+          <a:spcPts val="1200"/>
         </a:spcBef>
         <a:buFont typeface="Arial" panose="020B0604020202020204" pitchFamily="34" charset="0"/>
         <a:buChar char="•"/>
-        <a:defRPr sz="3733" kern="1200">
+        <a:defRPr sz="3360" kern="1200">
           <a:solidFill>
             <a:schemeClr val="tx1"/>
           </a:solidFill>
@@ -2707,16 +2712,16 @@
           <a:cs typeface="+mn-cs"/>
         </a:defRPr>
       </a:lvl1pPr>
-      <a:lvl2pPr marL="914377" indent="-304792" algn="l" defTabSz="1219170" rtl="0" eaLnBrk="1" latinLnBrk="0" hangingPunct="1">
+      <a:lvl2pPr marL="822960" indent="-274320" algn="l" defTabSz="1097280" rtl="0" eaLnBrk="1" latinLnBrk="0" hangingPunct="1">
         <a:lnSpc>
           <a:spcPct val="90000"/>
         </a:lnSpc>
         <a:spcBef>
-          <a:spcPts val="667"/>
+          <a:spcPts val="600"/>
         </a:spcBef>
         <a:buFont typeface="Arial" panose="020B0604020202020204" pitchFamily="34" charset="0"/>
         <a:buChar char="•"/>
-        <a:defRPr sz="3200" kern="1200">
+        <a:defRPr sz="2880" kern="1200">
           <a:solidFill>
             <a:schemeClr val="tx1"/>
           </a:solidFill>
@@ -2725,30 +2730,12 @@
           <a:cs typeface="+mn-cs"/>
         </a:defRPr>
       </a:lvl2pPr>
-      <a:lvl3pPr marL="1523962" indent="-304792" algn="l" defTabSz="1219170" rtl="0" eaLnBrk="1" latinLnBrk="0" hangingPunct="1">
+      <a:lvl3pPr marL="1371600" indent="-274320" algn="l" defTabSz="1097280" rtl="0" eaLnBrk="1" latinLnBrk="0" hangingPunct="1">
         <a:lnSpc>
           <a:spcPct val="90000"/>
         </a:lnSpc>
         <a:spcBef>
-          <a:spcPts val="667"/>
-        </a:spcBef>
-        <a:buFont typeface="Arial" panose="020B0604020202020204" pitchFamily="34" charset="0"/>
-        <a:buChar char="•"/>
-        <a:defRPr sz="2667" kern="1200">
-          <a:solidFill>
-            <a:schemeClr val="tx1"/>
-          </a:solidFill>
-          <a:latin typeface="+mn-lt"/>
-          <a:ea typeface="+mn-ea"/>
-          <a:cs typeface="+mn-cs"/>
-        </a:defRPr>
-      </a:lvl3pPr>
-      <a:lvl4pPr marL="2133547" indent="-304792" algn="l" defTabSz="1219170" rtl="0" eaLnBrk="1" latinLnBrk="0" hangingPunct="1">
-        <a:lnSpc>
-          <a:spcPct val="90000"/>
-        </a:lnSpc>
-        <a:spcBef>
-          <a:spcPts val="667"/>
+          <a:spcPts val="600"/>
         </a:spcBef>
         <a:buFont typeface="Arial" panose="020B0604020202020204" pitchFamily="34" charset="0"/>
         <a:buChar char="•"/>
@@ -2760,17 +2747,35 @@
           <a:ea typeface="+mn-ea"/>
           <a:cs typeface="+mn-cs"/>
         </a:defRPr>
-      </a:lvl4pPr>
-      <a:lvl5pPr marL="2743131" indent="-304792" algn="l" defTabSz="1219170" rtl="0" eaLnBrk="1" latinLnBrk="0" hangingPunct="1">
+      </a:lvl3pPr>
+      <a:lvl4pPr marL="1920240" indent="-274320" algn="l" defTabSz="1097280" rtl="0" eaLnBrk="1" latinLnBrk="0" hangingPunct="1">
         <a:lnSpc>
           <a:spcPct val="90000"/>
         </a:lnSpc>
         <a:spcBef>
-          <a:spcPts val="667"/>
+          <a:spcPts val="600"/>
         </a:spcBef>
         <a:buFont typeface="Arial" panose="020B0604020202020204" pitchFamily="34" charset="0"/>
         <a:buChar char="•"/>
-        <a:defRPr sz="2400" kern="1200">
+        <a:defRPr sz="2160" kern="1200">
+          <a:solidFill>
+            <a:schemeClr val="tx1"/>
+          </a:solidFill>
+          <a:latin typeface="+mn-lt"/>
+          <a:ea typeface="+mn-ea"/>
+          <a:cs typeface="+mn-cs"/>
+        </a:defRPr>
+      </a:lvl4pPr>
+      <a:lvl5pPr marL="2468880" indent="-274320" algn="l" defTabSz="1097280" rtl="0" eaLnBrk="1" latinLnBrk="0" hangingPunct="1">
+        <a:lnSpc>
+          <a:spcPct val="90000"/>
+        </a:lnSpc>
+        <a:spcBef>
+          <a:spcPts val="600"/>
+        </a:spcBef>
+        <a:buFont typeface="Arial" panose="020B0604020202020204" pitchFamily="34" charset="0"/>
+        <a:buChar char="•"/>
+        <a:defRPr sz="2160" kern="1200">
           <a:solidFill>
             <a:schemeClr val="tx1"/>
           </a:solidFill>
@@ -2779,16 +2784,16 @@
           <a:cs typeface="+mn-cs"/>
         </a:defRPr>
       </a:lvl5pPr>
-      <a:lvl6pPr marL="3352716" indent="-304792" algn="l" defTabSz="1219170" rtl="0" eaLnBrk="1" latinLnBrk="0" hangingPunct="1">
+      <a:lvl6pPr marL="3017520" indent="-274320" algn="l" defTabSz="1097280" rtl="0" eaLnBrk="1" latinLnBrk="0" hangingPunct="1">
         <a:lnSpc>
           <a:spcPct val="90000"/>
         </a:lnSpc>
         <a:spcBef>
-          <a:spcPts val="667"/>
+          <a:spcPts val="600"/>
         </a:spcBef>
         <a:buFont typeface="Arial" panose="020B0604020202020204" pitchFamily="34" charset="0"/>
         <a:buChar char="•"/>
-        <a:defRPr sz="2400" kern="1200">
+        <a:defRPr sz="2160" kern="1200">
           <a:solidFill>
             <a:schemeClr val="tx1"/>
           </a:solidFill>
@@ -2797,16 +2802,16 @@
           <a:cs typeface="+mn-cs"/>
         </a:defRPr>
       </a:lvl6pPr>
-      <a:lvl7pPr marL="3962301" indent="-304792" algn="l" defTabSz="1219170" rtl="0" eaLnBrk="1" latinLnBrk="0" hangingPunct="1">
+      <a:lvl7pPr marL="3566160" indent="-274320" algn="l" defTabSz="1097280" rtl="0" eaLnBrk="1" latinLnBrk="0" hangingPunct="1">
         <a:lnSpc>
           <a:spcPct val="90000"/>
         </a:lnSpc>
         <a:spcBef>
-          <a:spcPts val="667"/>
+          <a:spcPts val="600"/>
         </a:spcBef>
         <a:buFont typeface="Arial" panose="020B0604020202020204" pitchFamily="34" charset="0"/>
         <a:buChar char="•"/>
-        <a:defRPr sz="2400" kern="1200">
+        <a:defRPr sz="2160" kern="1200">
           <a:solidFill>
             <a:schemeClr val="tx1"/>
           </a:solidFill>
@@ -2815,16 +2820,16 @@
           <a:cs typeface="+mn-cs"/>
         </a:defRPr>
       </a:lvl7pPr>
-      <a:lvl8pPr marL="4571886" indent="-304792" algn="l" defTabSz="1219170" rtl="0" eaLnBrk="1" latinLnBrk="0" hangingPunct="1">
+      <a:lvl8pPr marL="4114800" indent="-274320" algn="l" defTabSz="1097280" rtl="0" eaLnBrk="1" latinLnBrk="0" hangingPunct="1">
         <a:lnSpc>
           <a:spcPct val="90000"/>
         </a:lnSpc>
         <a:spcBef>
-          <a:spcPts val="667"/>
+          <a:spcPts val="600"/>
         </a:spcBef>
         <a:buFont typeface="Arial" panose="020B0604020202020204" pitchFamily="34" charset="0"/>
         <a:buChar char="•"/>
-        <a:defRPr sz="2400" kern="1200">
+        <a:defRPr sz="2160" kern="1200">
           <a:solidFill>
             <a:schemeClr val="tx1"/>
           </a:solidFill>
@@ -2833,16 +2838,16 @@
           <a:cs typeface="+mn-cs"/>
         </a:defRPr>
       </a:lvl8pPr>
-      <a:lvl9pPr marL="5181470" indent="-304792" algn="l" defTabSz="1219170" rtl="0" eaLnBrk="1" latinLnBrk="0" hangingPunct="1">
+      <a:lvl9pPr marL="4663440" indent="-274320" algn="l" defTabSz="1097280" rtl="0" eaLnBrk="1" latinLnBrk="0" hangingPunct="1">
         <a:lnSpc>
           <a:spcPct val="90000"/>
         </a:lnSpc>
         <a:spcBef>
-          <a:spcPts val="667"/>
+          <a:spcPts val="600"/>
         </a:spcBef>
         <a:buFont typeface="Arial" panose="020B0604020202020204" pitchFamily="34" charset="0"/>
         <a:buChar char="•"/>
-        <a:defRPr sz="2400" kern="1200">
+        <a:defRPr sz="2160" kern="1200">
           <a:solidFill>
             <a:schemeClr val="tx1"/>
           </a:solidFill>
@@ -2856,8 +2861,8 @@
       <a:defPPr>
         <a:defRPr lang="en-US"/>
       </a:defPPr>
-      <a:lvl1pPr marL="0" algn="l" defTabSz="1219170" rtl="0" eaLnBrk="1" latinLnBrk="0" hangingPunct="1">
-        <a:defRPr sz="2400" kern="1200">
+      <a:lvl1pPr marL="0" algn="l" defTabSz="1097280" rtl="0" eaLnBrk="1" latinLnBrk="0" hangingPunct="1">
+        <a:defRPr sz="2160" kern="1200">
           <a:solidFill>
             <a:schemeClr val="tx1"/>
           </a:solidFill>
@@ -2866,8 +2871,8 @@
           <a:cs typeface="+mn-cs"/>
         </a:defRPr>
       </a:lvl1pPr>
-      <a:lvl2pPr marL="609585" algn="l" defTabSz="1219170" rtl="0" eaLnBrk="1" latinLnBrk="0" hangingPunct="1">
-        <a:defRPr sz="2400" kern="1200">
+      <a:lvl2pPr marL="548640" algn="l" defTabSz="1097280" rtl="0" eaLnBrk="1" latinLnBrk="0" hangingPunct="1">
+        <a:defRPr sz="2160" kern="1200">
           <a:solidFill>
             <a:schemeClr val="tx1"/>
           </a:solidFill>
@@ -2876,8 +2881,8 @@
           <a:cs typeface="+mn-cs"/>
         </a:defRPr>
       </a:lvl2pPr>
-      <a:lvl3pPr marL="1219170" algn="l" defTabSz="1219170" rtl="0" eaLnBrk="1" latinLnBrk="0" hangingPunct="1">
-        <a:defRPr sz="2400" kern="1200">
+      <a:lvl3pPr marL="1097280" algn="l" defTabSz="1097280" rtl="0" eaLnBrk="1" latinLnBrk="0" hangingPunct="1">
+        <a:defRPr sz="2160" kern="1200">
           <a:solidFill>
             <a:schemeClr val="tx1"/>
           </a:solidFill>
@@ -2886,8 +2891,8 @@
           <a:cs typeface="+mn-cs"/>
         </a:defRPr>
       </a:lvl3pPr>
-      <a:lvl4pPr marL="1828754" algn="l" defTabSz="1219170" rtl="0" eaLnBrk="1" latinLnBrk="0" hangingPunct="1">
-        <a:defRPr sz="2400" kern="1200">
+      <a:lvl4pPr marL="1645920" algn="l" defTabSz="1097280" rtl="0" eaLnBrk="1" latinLnBrk="0" hangingPunct="1">
+        <a:defRPr sz="2160" kern="1200">
           <a:solidFill>
             <a:schemeClr val="tx1"/>
           </a:solidFill>
@@ -2896,8 +2901,8 @@
           <a:cs typeface="+mn-cs"/>
         </a:defRPr>
       </a:lvl4pPr>
-      <a:lvl5pPr marL="2438339" algn="l" defTabSz="1219170" rtl="0" eaLnBrk="1" latinLnBrk="0" hangingPunct="1">
-        <a:defRPr sz="2400" kern="1200">
+      <a:lvl5pPr marL="2194560" algn="l" defTabSz="1097280" rtl="0" eaLnBrk="1" latinLnBrk="0" hangingPunct="1">
+        <a:defRPr sz="2160" kern="1200">
           <a:solidFill>
             <a:schemeClr val="tx1"/>
           </a:solidFill>
@@ -2906,8 +2911,8 @@
           <a:cs typeface="+mn-cs"/>
         </a:defRPr>
       </a:lvl5pPr>
-      <a:lvl6pPr marL="3047924" algn="l" defTabSz="1219170" rtl="0" eaLnBrk="1" latinLnBrk="0" hangingPunct="1">
-        <a:defRPr sz="2400" kern="1200">
+      <a:lvl6pPr marL="2743200" algn="l" defTabSz="1097280" rtl="0" eaLnBrk="1" latinLnBrk="0" hangingPunct="1">
+        <a:defRPr sz="2160" kern="1200">
           <a:solidFill>
             <a:schemeClr val="tx1"/>
           </a:solidFill>
@@ -2916,8 +2921,8 @@
           <a:cs typeface="+mn-cs"/>
         </a:defRPr>
       </a:lvl6pPr>
-      <a:lvl7pPr marL="3657509" algn="l" defTabSz="1219170" rtl="0" eaLnBrk="1" latinLnBrk="0" hangingPunct="1">
-        <a:defRPr sz="2400" kern="1200">
+      <a:lvl7pPr marL="3291840" algn="l" defTabSz="1097280" rtl="0" eaLnBrk="1" latinLnBrk="0" hangingPunct="1">
+        <a:defRPr sz="2160" kern="1200">
           <a:solidFill>
             <a:schemeClr val="tx1"/>
           </a:solidFill>
@@ -2926,8 +2931,8 @@
           <a:cs typeface="+mn-cs"/>
         </a:defRPr>
       </a:lvl7pPr>
-      <a:lvl8pPr marL="4267093" algn="l" defTabSz="1219170" rtl="0" eaLnBrk="1" latinLnBrk="0" hangingPunct="1">
-        <a:defRPr sz="2400" kern="1200">
+      <a:lvl8pPr marL="3840480" algn="l" defTabSz="1097280" rtl="0" eaLnBrk="1" latinLnBrk="0" hangingPunct="1">
+        <a:defRPr sz="2160" kern="1200">
           <a:solidFill>
             <a:schemeClr val="tx1"/>
           </a:solidFill>
@@ -2936,8 +2941,8 @@
           <a:cs typeface="+mn-cs"/>
         </a:defRPr>
       </a:lvl8pPr>
-      <a:lvl9pPr marL="4876678" algn="l" defTabSz="1219170" rtl="0" eaLnBrk="1" latinLnBrk="0" hangingPunct="1">
-        <a:defRPr sz="2400" kern="1200">
+      <a:lvl9pPr marL="4389120" algn="l" defTabSz="1097280" rtl="0" eaLnBrk="1" latinLnBrk="0" hangingPunct="1">
+        <a:defRPr sz="2160" kern="1200">
           <a:solidFill>
             <a:schemeClr val="tx1"/>
           </a:solidFill>
@@ -2992,8 +2997,8 @@
         </p:nvSpPr>
         <p:spPr>
           <a:xfrm>
-            <a:off x="8811374" y="8946"/>
-            <a:ext cx="41617247" cy="10146304"/>
+            <a:off x="7237733" y="-2039255"/>
+            <a:ext cx="48337662" cy="12205279"/>
           </a:xfrm>
           <a:prstGeom prst="rect">
             <a:avLst/>
@@ -3007,7 +3012,7 @@
           <a:lstStyle/>
           <a:p>
             <a:r>
-              <a:rPr lang="en-US" sz="65333" spc="1776" dirty="0">
+              <a:rPr lang="en-US" sz="75880" spc="2063" dirty="0">
                 <a:solidFill>
                   <a:srgbClr val="17007A"/>
                 </a:solidFill>
@@ -3034,8 +3039,8 @@
         </p:nvSpPr>
         <p:spPr>
           <a:xfrm>
-            <a:off x="7463422" y="2239263"/>
-            <a:ext cx="1414286" cy="6149069"/>
+            <a:off x="5672108" y="551224"/>
+            <a:ext cx="1642667" cy="7142029"/>
           </a:xfrm>
           <a:prstGeom prst="rect">
             <a:avLst/>
@@ -3068,7 +3073,7 @@
           <a:lstStyle/>
           <a:p>
             <a:pPr algn="ctr"/>
-            <a:endParaRPr lang="en-US" sz="7291" dirty="0"/>
+            <a:endParaRPr lang="en-US" sz="8468" dirty="0"/>
           </a:p>
         </p:txBody>
       </p:sp>
@@ -3086,8 +3091,8 @@
         </p:nvSpPr>
         <p:spPr>
           <a:xfrm>
-            <a:off x="5889222" y="5777662"/>
-            <a:ext cx="1414286" cy="2610674"/>
+            <a:off x="3843704" y="4661004"/>
+            <a:ext cx="1642667" cy="3032250"/>
           </a:xfrm>
           <a:prstGeom prst="rect">
             <a:avLst/>
@@ -3122,7 +3127,7 @@
           <a:lstStyle/>
           <a:p>
             <a:pPr algn="ctr"/>
-            <a:endParaRPr lang="en-US" sz="7291" dirty="0"/>
+            <a:endParaRPr lang="en-US" sz="8468" dirty="0"/>
           </a:p>
         </p:txBody>
       </p:sp>
@@ -3140,8 +3145,8 @@
         </p:nvSpPr>
         <p:spPr>
           <a:xfrm>
-            <a:off x="4329101" y="7424009"/>
-            <a:ext cx="1414286" cy="964326"/>
+            <a:off x="2031653" y="6573208"/>
+            <a:ext cx="1642667" cy="1120047"/>
           </a:xfrm>
           <a:prstGeom prst="rect">
             <a:avLst/>
@@ -3176,7 +3181,7 @@
           <a:lstStyle/>
           <a:p>
             <a:pPr algn="ctr"/>
-            <a:endParaRPr lang="en-US" sz="7291" dirty="0"/>
+            <a:endParaRPr lang="en-US" sz="8468" dirty="0"/>
           </a:p>
         </p:txBody>
       </p:sp>
@@ -3194,8 +3199,8 @@
         </p:nvSpPr>
         <p:spPr>
           <a:xfrm>
-            <a:off x="2762552" y="8061999"/>
-            <a:ext cx="1414286" cy="326334"/>
+            <a:off x="212135" y="7314219"/>
+            <a:ext cx="1642667" cy="379031"/>
           </a:xfrm>
           <a:prstGeom prst="rect">
             <a:avLst/>
@@ -3230,7 +3235,7 @@
           <a:lstStyle/>
           <a:p>
             <a:pPr algn="ctr"/>
-            <a:endParaRPr lang="en-US" sz="7291" dirty="0"/>
+            <a:endParaRPr lang="en-US" sz="8468" dirty="0"/>
           </a:p>
         </p:txBody>
       </p:sp>
